--- a/Презентация.pptx
+++ b/Презентация.pptx
@@ -117,6 +117,11 @@
       </a:defRPr>
     </a:lvl9pPr>
   </p:defaultTextStyle>
+  <p:extLst>
+    <p:ext uri="{EFAFB233-063F-42B5-8137-9DF3F51BA10A}">
+      <p15:sldGuideLst xmlns:p15="http://schemas.microsoft.com/office/powerpoint/2012/main"/>
+    </p:ext>
+  </p:extLst>
 </p:presentation>
 </file>
 
@@ -3467,6 +3472,14 @@
   <p:clrMapOvr>
     <a:masterClrMapping/>
   </p:clrMapOvr>
+  <mc:AlternateContent xmlns:mc="http://schemas.openxmlformats.org/markup-compatibility/2006">
+    <mc:Choice xmlns:p14="http://schemas.microsoft.com/office/powerpoint/2010/main" Requires="p14">
+      <p:transition spd="slow" p14:dur="2000" advTm="20000"/>
+    </mc:Choice>
+    <mc:Fallback>
+      <p:transition spd="slow" advTm="20000"/>
+    </mc:Fallback>
+  </mc:AlternateContent>
 </p:sld>
 </file>
 
